--- a/수업교제/python_calss10.pptx
+++ b/수업교제/python_calss10.pptx
@@ -9,6 +9,7 @@
     <p:sldId id="258" r:id="rId3"/>
     <p:sldId id="259" r:id="rId4"/>
     <p:sldId id="260" r:id="rId5"/>
+    <p:sldId id="261" r:id="rId6"/>
   </p:sldIdLst>
   <p:sldSz cx="12192000" cy="6858000"/>
   <p:notesSz cx="6858000" cy="9144000"/>
@@ -3842,7 +3843,7 @@
         <p:push/>
       </p:transition>
     </mc:Choice>
-    <mc:Fallback xmlns:dsp="http://schemas.microsoft.com/office/drawing/2008/diagram" xmlns:dgm="http://schemas.openxmlformats.org/drawingml/2006/diagram" xmlns:c="http://schemas.openxmlformats.org/drawingml/2006/chart" xmlns="">
+    <mc:Fallback xmlns="" xmlns:c="http://schemas.openxmlformats.org/drawingml/2006/chart" xmlns:dgm="http://schemas.openxmlformats.org/drawingml/2006/diagram" xmlns:dsp="http://schemas.microsoft.com/office/drawing/2008/diagram">
       <p:transition xmlns:mc="http://schemas.openxmlformats.org/markup-compatibility/2006" xmlns:hp="http://schemas.haansoft.com/office/presentation/8.0" spd="med" mc:Ignorable="hp" hp:hslDur="1000">
         <p:fade/>
       </p:transition>
@@ -4709,10 +4710,310 @@
           </a:fontRef>
         </p:style>
       </p:cxnSp>
+      <p:pic>
+        <p:nvPicPr>
+          <p:cNvPr id="6" name="그림 5">
+            <a:extLst>
+              <a:ext uri="{FF2B5EF4-FFF2-40B4-BE49-F238E27FC236}">
+                <a16:creationId xmlns:a16="http://schemas.microsoft.com/office/drawing/2014/main" id="{F71651CD-4DDA-4FB8-A83A-F9B19C15F9B9}"/>
+              </a:ext>
+            </a:extLst>
+          </p:cNvPr>
+          <p:cNvPicPr>
+            <a:picLocks noChangeAspect="1"/>
+          </p:cNvPicPr>
+          <p:nvPr/>
+        </p:nvPicPr>
+        <p:blipFill>
+          <a:blip r:embed="rId4"/>
+          <a:stretch>
+            <a:fillRect/>
+          </a:stretch>
+        </p:blipFill>
+        <p:spPr>
+          <a:xfrm>
+            <a:off x="9228848" y="4121580"/>
+            <a:ext cx="2963152" cy="2736420"/>
+          </a:xfrm>
+          <a:prstGeom prst="rect">
+            <a:avLst/>
+          </a:prstGeom>
+        </p:spPr>
+      </p:pic>
     </p:spTree>
     <p:extLst>
       <p:ext uri="{BB962C8B-B14F-4D97-AF65-F5344CB8AC3E}">
         <p14:creationId xmlns:p14="http://schemas.microsoft.com/office/powerpoint/2010/main" val="2661728114"/>
+      </p:ext>
+    </p:extLst>
+  </p:cSld>
+  <p:clrMapOvr>
+    <a:masterClrMapping/>
+  </p:clrMapOvr>
+</p:sld>
+</file>
+
+<file path=ppt/slides/slide5.xml><?xml version="1.0" encoding="utf-8"?>
+<p:sld xmlns:a="http://schemas.openxmlformats.org/drawingml/2006/main" xmlns:r="http://schemas.openxmlformats.org/officeDocument/2006/relationships" xmlns:p="http://schemas.openxmlformats.org/presentationml/2006/main">
+  <p:cSld>
+    <p:spTree>
+      <p:nvGrpSpPr>
+        <p:cNvPr id="1" name=""/>
+        <p:cNvGrpSpPr/>
+        <p:nvPr/>
+      </p:nvGrpSpPr>
+      <p:grpSpPr>
+        <a:xfrm>
+          <a:off x="0" y="0"/>
+          <a:ext cx="0" cy="0"/>
+          <a:chOff x="0" y="0"/>
+          <a:chExt cx="0" cy="0"/>
+        </a:xfrm>
+      </p:grpSpPr>
+      <p:sp>
+        <p:nvSpPr>
+          <p:cNvPr id="2" name="제목 1">
+            <a:extLst>
+              <a:ext uri="{FF2B5EF4-FFF2-40B4-BE49-F238E27FC236}">
+                <a16:creationId xmlns:a16="http://schemas.microsoft.com/office/drawing/2014/main" id="{31890308-3CB1-92A0-D986-932B45C23200}"/>
+              </a:ext>
+            </a:extLst>
+          </p:cNvPr>
+          <p:cNvSpPr>
+            <a:spLocks noGrp="1"/>
+          </p:cNvSpPr>
+          <p:nvPr>
+            <p:ph type="title"/>
+          </p:nvPr>
+        </p:nvSpPr>
+        <p:spPr>
+          <a:xfrm>
+            <a:off x="704500" y="427839"/>
+            <a:ext cx="6459698" cy="755009"/>
+          </a:xfrm>
+        </p:spPr>
+        <p:txBody>
+          <a:bodyPr>
+            <a:normAutofit/>
+          </a:bodyPr>
+          <a:lstStyle/>
+          <a:p>
+            <a:r>
+              <a:rPr lang="ko-KR" altLang="en-US" dirty="0"/>
+              <a:t>뮤직 플레이어 만들기</a:t>
+            </a:r>
+          </a:p>
+        </p:txBody>
+      </p:sp>
+      <p:sp>
+        <p:nvSpPr>
+          <p:cNvPr id="5" name="TextBox 4">
+            <a:extLst>
+              <a:ext uri="{FF2B5EF4-FFF2-40B4-BE49-F238E27FC236}">
+                <a16:creationId xmlns:a16="http://schemas.microsoft.com/office/drawing/2014/main" id="{B632E52C-4592-8EAC-7096-1B6E323AB8DC}"/>
+              </a:ext>
+            </a:extLst>
+          </p:cNvPr>
+          <p:cNvSpPr txBox="1"/>
+          <p:nvPr/>
+        </p:nvSpPr>
+        <p:spPr>
+          <a:xfrm>
+            <a:off x="5249789" y="2190558"/>
+            <a:ext cx="6070143" cy="2031325"/>
+          </a:xfrm>
+          <a:prstGeom prst="rect">
+            <a:avLst/>
+          </a:prstGeom>
+          <a:noFill/>
+        </p:spPr>
+        <p:txBody>
+          <a:bodyPr wrap="square" rtlCol="0">
+            <a:spAutoFit/>
+          </a:bodyPr>
+          <a:lstStyle/>
+          <a:p>
+            <a:pPr marL="342900" indent="-342900">
+              <a:buAutoNum type="arabicPeriod"/>
+            </a:pPr>
+            <a:r>
+              <a:rPr lang="en-US" altLang="ko-KR" dirty="0"/>
+              <a:t>MP3 </a:t>
+            </a:r>
+            <a:r>
+              <a:rPr lang="ko-KR" altLang="en-US" dirty="0"/>
+              <a:t>플레이어 재생 프로그램 만들기</a:t>
+            </a:r>
+            <a:endParaRPr lang="en-US" altLang="ko-KR" dirty="0"/>
+          </a:p>
+          <a:p>
+            <a:pPr marL="342900" indent="-342900">
+              <a:buAutoNum type="arabicPeriod"/>
+            </a:pPr>
+            <a:endParaRPr lang="en-US" altLang="ko-KR" dirty="0"/>
+          </a:p>
+          <a:p>
+            <a:pPr marL="342900" indent="-342900">
+              <a:buAutoNum type="arabicPeriod"/>
+            </a:pPr>
+            <a:r>
+              <a:rPr lang="ko-KR" altLang="en-US" dirty="0"/>
+              <a:t>음악을 설정 하면 현재 설정된 음악 이름이 표시된다</a:t>
+            </a:r>
+            <a:r>
+              <a:rPr lang="en-US" altLang="ko-KR" dirty="0"/>
+              <a:t>.</a:t>
+            </a:r>
+          </a:p>
+          <a:p>
+            <a:pPr marL="342900" indent="-342900">
+              <a:buAutoNum type="arabicPeriod"/>
+            </a:pPr>
+            <a:endParaRPr lang="en-US" altLang="ko-KR" dirty="0"/>
+          </a:p>
+          <a:p>
+            <a:pPr marL="342900" indent="-342900">
+              <a:buAutoNum type="arabicPeriod"/>
+            </a:pPr>
+            <a:r>
+              <a:rPr lang="ko-KR" altLang="en-US" dirty="0"/>
+              <a:t>재생 및 일시 정지 버튼이 존재 하며 재생 버튼은 음악을</a:t>
+            </a:r>
+            <a:endParaRPr lang="en-US" altLang="ko-KR" dirty="0"/>
+          </a:p>
+          <a:p>
+            <a:r>
+              <a:rPr lang="ko-KR" altLang="en-US" dirty="0"/>
+              <a:t>처음 </a:t>
+            </a:r>
+            <a:r>
+              <a:rPr lang="ko-KR" altLang="en-US" dirty="0" err="1"/>
+              <a:t>부터</a:t>
+            </a:r>
+            <a:r>
+              <a:rPr lang="ko-KR" altLang="en-US" dirty="0"/>
+              <a:t> 재생 하며 일시정지 버튼은  일시정지 및 재시작을 담당 한다</a:t>
+            </a:r>
+            <a:r>
+              <a:rPr lang="en-US" altLang="ko-KR" dirty="0"/>
+              <a:t>. </a:t>
+            </a:r>
+          </a:p>
+        </p:txBody>
+      </p:sp>
+      <p:pic>
+        <p:nvPicPr>
+          <p:cNvPr id="6" name="그림 5">
+            <a:extLst>
+              <a:ext uri="{FF2B5EF4-FFF2-40B4-BE49-F238E27FC236}">
+                <a16:creationId xmlns:a16="http://schemas.microsoft.com/office/drawing/2014/main" id="{E7CD29B6-1E60-485F-9847-45B8E0B7B4FC}"/>
+              </a:ext>
+            </a:extLst>
+          </p:cNvPr>
+          <p:cNvPicPr>
+            <a:picLocks noChangeAspect="1"/>
+          </p:cNvPicPr>
+          <p:nvPr/>
+        </p:nvPicPr>
+        <p:blipFill>
+          <a:blip r:embed="rId2"/>
+          <a:stretch>
+            <a:fillRect/>
+          </a:stretch>
+        </p:blipFill>
+        <p:spPr>
+          <a:xfrm>
+            <a:off x="1350708" y="2416417"/>
+            <a:ext cx="3305959" cy="1579609"/>
+          </a:xfrm>
+          <a:prstGeom prst="rect">
+            <a:avLst/>
+          </a:prstGeom>
+        </p:spPr>
+      </p:pic>
+      <p:sp>
+        <p:nvSpPr>
+          <p:cNvPr id="7" name="TextBox 6">
+            <a:extLst>
+              <a:ext uri="{FF2B5EF4-FFF2-40B4-BE49-F238E27FC236}">
+                <a16:creationId xmlns:a16="http://schemas.microsoft.com/office/drawing/2014/main" id="{76D5664A-F0B3-4428-BCE9-619FD0693EE6}"/>
+              </a:ext>
+            </a:extLst>
+          </p:cNvPr>
+          <p:cNvSpPr txBox="1"/>
+          <p:nvPr/>
+        </p:nvSpPr>
+        <p:spPr>
+          <a:xfrm>
+            <a:off x="1350708" y="4408149"/>
+            <a:ext cx="8885492" cy="1477328"/>
+          </a:xfrm>
+          <a:prstGeom prst="rect">
+            <a:avLst/>
+          </a:prstGeom>
+          <a:noFill/>
+        </p:spPr>
+        <p:txBody>
+          <a:bodyPr wrap="square" rtlCol="0">
+            <a:spAutoFit/>
+          </a:bodyPr>
+          <a:lstStyle/>
+          <a:p>
+            <a:r>
+              <a:rPr lang="ko-KR" altLang="en-US" dirty="0"/>
+              <a:t>추가 과제</a:t>
+            </a:r>
+            <a:endParaRPr lang="en-US" altLang="ko-KR" dirty="0"/>
+          </a:p>
+          <a:p>
+            <a:endParaRPr lang="en-US" altLang="ko-KR" dirty="0"/>
+          </a:p>
+          <a:p>
+            <a:pPr marL="342900" indent="-342900">
+              <a:buAutoNum type="arabicPeriod"/>
+            </a:pPr>
+            <a:r>
+              <a:rPr lang="ko-KR" altLang="en-US" dirty="0"/>
+              <a:t>알람 설정  </a:t>
+            </a:r>
+            <a:r>
+              <a:rPr lang="en-US" altLang="ko-KR" dirty="0"/>
+              <a:t>- </a:t>
+            </a:r>
+            <a:r>
+              <a:rPr lang="ko-KR" altLang="en-US" dirty="0"/>
+              <a:t>날자 및 시간을 설정 하고 시간이 되면 알람을 소리를 재생 한다</a:t>
+            </a:r>
+            <a:r>
+              <a:rPr lang="en-US" altLang="ko-KR" dirty="0"/>
+              <a:t>.</a:t>
+            </a:r>
+          </a:p>
+          <a:p>
+            <a:pPr marL="342900" indent="-342900">
+              <a:buAutoNum type="arabicPeriod"/>
+            </a:pPr>
+            <a:endParaRPr lang="en-US" altLang="ko-KR" dirty="0"/>
+          </a:p>
+          <a:p>
+            <a:pPr marL="342900" indent="-342900">
+              <a:buAutoNum type="arabicPeriod"/>
+            </a:pPr>
+            <a:r>
+              <a:rPr lang="ko-KR" altLang="en-US" dirty="0"/>
+              <a:t>현재 시간을 표시 하고 알람이 설정되어 있다면 알람 까지 남은 시간을 표시 한다</a:t>
+            </a:r>
+            <a:r>
+              <a:rPr lang="en-US" altLang="ko-KR" dirty="0"/>
+              <a:t>.</a:t>
+            </a:r>
+          </a:p>
+        </p:txBody>
+      </p:sp>
+    </p:spTree>
+    <p:extLst>
+      <p:ext uri="{BB962C8B-B14F-4D97-AF65-F5344CB8AC3E}">
+        <p14:creationId xmlns:p14="http://schemas.microsoft.com/office/powerpoint/2010/main" val="3288236544"/>
       </p:ext>
     </p:extLst>
   </p:cSld>
